--- a/primera entrega/correcciones/presentacion.pptx
+++ b/primera entrega/correcciones/presentacion.pptx
@@ -5580,7 +5580,7 @@
   <dgm:whole/>
   <dgm:extLst>
     <a:ext uri="http://schemas.microsoft.com/office/drawing/2008/diagram">
-      <dsp:dataModelExt xmlns:dsp="http://schemas.microsoft.com/office/drawing/2008/diagram" relId="rId9" minVer="http://schemas.openxmlformats.org/drawingml/2006/diagram"/>
+      <dsp:dataModelExt xmlns:dsp="http://schemas.microsoft.com/office/drawing/2008/diagram" relId="rId10" minVer="http://schemas.openxmlformats.org/drawingml/2006/diagram"/>
     </a:ext>
   </dgm:extLst>
 </dgm:dataModel>
@@ -17287,7 +17287,7 @@
           </a:ln>
           <a:extLst>
             <a:ext uri="{C572A759-6A51-4108-AA02-DFA0A04FC94B}">
-              <ma14:wrappingTextBoxFlag xmlns:ma14="http://schemas.microsoft.com/office/mac/drawingml/2011/main" xmlns="" val="1"/>
+              <ma14:wrappingTextBoxFlag xmlns="" xmlns:ma14="http://schemas.microsoft.com/office/mac/drawingml/2011/main" val="1"/>
             </a:ext>
           </a:extLst>
         </p:spPr>
@@ -17403,7 +17403,7 @@
           </a:ln>
           <a:extLst>
             <a:ext uri="{C572A759-6A51-4108-AA02-DFA0A04FC94B}">
-              <ma14:wrappingTextBoxFlag xmlns:ma14="http://schemas.microsoft.com/office/mac/drawingml/2011/main" xmlns="" val="1"/>
+              <ma14:wrappingTextBoxFlag xmlns="" xmlns:ma14="http://schemas.microsoft.com/office/mac/drawingml/2011/main" val="1"/>
             </a:ext>
           </a:extLst>
         </p:spPr>
@@ -20305,7 +20305,7 @@
           </a:ln>
           <a:extLst>
             <a:ext uri="{C572A759-6A51-4108-AA02-DFA0A04FC94B}">
-              <ma14:wrappingTextBoxFlag xmlns:ma14="http://schemas.microsoft.com/office/mac/drawingml/2011/main" xmlns="" val="1"/>
+              <ma14:wrappingTextBoxFlag xmlns="" xmlns:ma14="http://schemas.microsoft.com/office/mac/drawingml/2011/main" val="1"/>
             </a:ext>
           </a:extLst>
         </p:spPr>
@@ -20376,7 +20376,7 @@
           </a:ln>
           <a:extLst>
             <a:ext uri="{C572A759-6A51-4108-AA02-DFA0A04FC94B}">
-              <ma14:wrappingTextBoxFlag xmlns:ma14="http://schemas.microsoft.com/office/mac/drawingml/2011/main" xmlns="" val="1"/>
+              <ma14:wrappingTextBoxFlag xmlns="" xmlns:ma14="http://schemas.microsoft.com/office/mac/drawingml/2011/main" val="1"/>
             </a:ext>
           </a:extLst>
         </p:spPr>
@@ -20564,7 +20564,7 @@
           </a:ln>
           <a:extLst>
             <a:ext uri="{C572A759-6A51-4108-AA02-DFA0A04FC94B}">
-              <ma14:wrappingTextBoxFlag xmlns:ma14="http://schemas.microsoft.com/office/mac/drawingml/2011/main" xmlns="" val="1"/>
+              <ma14:wrappingTextBoxFlag xmlns="" xmlns:ma14="http://schemas.microsoft.com/office/mac/drawingml/2011/main" val="1"/>
             </a:ext>
           </a:extLst>
         </p:spPr>
@@ -21821,6 +21821,7 @@
       <p:sp>
         <p:nvSpPr>
           <p:cNvPr id="6" name="Rectángulo: esquinas redondeadas 5">
+            <a:hlinkClick r:id="rId5" action="ppaction://hlinkfile"/>
             <a:extLst>
               <a:ext uri="{FF2B5EF4-FFF2-40B4-BE49-F238E27FC236}">
                 <a16:creationId xmlns:a16="http://schemas.microsoft.com/office/drawing/2014/main" id="{BB87323F-B1B4-4EE2-9B27-7B23016AB9DF}"/>
@@ -21905,7 +21906,7 @@
                 <a:cs typeface="Helvetica Light"/>
                 <a:sym typeface="Helvetica Light"/>
               </a:rPr>
-              <a:t>Ver anexo</a:t>
+              <a:t>Ver rubros</a:t>
             </a:r>
           </a:p>
         </p:txBody>
@@ -21934,7 +21935,7 @@
         </p:xfrm>
         <a:graphic>
           <a:graphicData uri="http://schemas.openxmlformats.org/drawingml/2006/diagram">
-            <dgm:relIds xmlns:dgm="http://schemas.openxmlformats.org/drawingml/2006/diagram" xmlns:r="http://schemas.openxmlformats.org/officeDocument/2006/relationships" r:dm="rId5" r:lo="rId6" r:qs="rId7" r:cs="rId8"/>
+            <dgm:relIds xmlns:dgm="http://schemas.openxmlformats.org/drawingml/2006/diagram" xmlns:r="http://schemas.openxmlformats.org/officeDocument/2006/relationships" r:dm="rId6" r:lo="rId7" r:qs="rId8" r:cs="rId9"/>
           </a:graphicData>
         </a:graphic>
       </p:graphicFrame>
@@ -22261,6 +22262,7 @@
       <p:sp>
         <p:nvSpPr>
           <p:cNvPr id="10" name="Rectángulo: esquinas redondeadas 9">
+            <a:hlinkClick r:id="rId6" action="ppaction://hlinkfile"/>
             <a:extLst>
               <a:ext uri="{FF2B5EF4-FFF2-40B4-BE49-F238E27FC236}">
                 <a16:creationId xmlns:a16="http://schemas.microsoft.com/office/drawing/2014/main" id="{2B149594-A472-4BD3-A775-45C91BD31604}"/>
@@ -25163,7 +25165,7 @@
           </a:prstGeom>
           <a:extLst>
             <a:ext uri="{C572A759-6A51-4108-AA02-DFA0A04FC94B}">
-              <ma14:wrappingTextBoxFlag xmlns:ma14="http://schemas.microsoft.com/office/mac/drawingml/2011/main" xmlns="" val="1"/>
+              <ma14:wrappingTextBoxFlag xmlns="" xmlns:ma14="http://schemas.microsoft.com/office/mac/drawingml/2011/main" val="1"/>
             </a:ext>
           </a:extLst>
         </p:spPr>
@@ -25253,7 +25255,7 @@
           <a:effectLst/>
           <a:extLst>
             <a:ext uri="{C572A759-6A51-4108-AA02-DFA0A04FC94B}">
-              <ma14:wrappingTextBoxFlag xmlns:ma14="http://schemas.microsoft.com/office/mac/drawingml/2011/main" xmlns="" val="1"/>
+              <ma14:wrappingTextBoxFlag xmlns="" xmlns:ma14="http://schemas.microsoft.com/office/mac/drawingml/2011/main" val="1"/>
             </a:ext>
           </a:extLst>
         </p:spPr>
@@ -25361,7 +25363,7 @@
           <a:effectLst/>
           <a:extLst>
             <a:ext uri="{C572A759-6A51-4108-AA02-DFA0A04FC94B}">
-              <ma14:wrappingTextBoxFlag xmlns:ma14="http://schemas.microsoft.com/office/mac/drawingml/2011/main" xmlns="" val="1"/>
+              <ma14:wrappingTextBoxFlag xmlns="" xmlns:ma14="http://schemas.microsoft.com/office/mac/drawingml/2011/main" val="1"/>
             </a:ext>
           </a:extLst>
         </p:spPr>
@@ -25417,7 +25419,7 @@
           <a:effectLst/>
           <a:extLst>
             <a:ext uri="{C572A759-6A51-4108-AA02-DFA0A04FC94B}">
-              <ma14:wrappingTextBoxFlag xmlns:ma14="http://schemas.microsoft.com/office/mac/drawingml/2011/main" xmlns="" val="1"/>
+              <ma14:wrappingTextBoxFlag xmlns="" xmlns:ma14="http://schemas.microsoft.com/office/mac/drawingml/2011/main" val="1"/>
             </a:ext>
           </a:extLst>
         </p:spPr>
@@ -25525,7 +25527,7 @@
           <a:effectLst/>
           <a:extLst>
             <a:ext uri="{C572A759-6A51-4108-AA02-DFA0A04FC94B}">
-              <ma14:wrappingTextBoxFlag xmlns:ma14="http://schemas.microsoft.com/office/mac/drawingml/2011/main" xmlns="" val="1"/>
+              <ma14:wrappingTextBoxFlag xmlns="" xmlns:ma14="http://schemas.microsoft.com/office/mac/drawingml/2011/main" val="1"/>
             </a:ext>
           </a:extLst>
         </p:spPr>
@@ -25584,7 +25586,7 @@
           <a:effectLst/>
           <a:extLst>
             <a:ext uri="{C572A759-6A51-4108-AA02-DFA0A04FC94B}">
-              <ma14:wrappingTextBoxFlag xmlns:ma14="http://schemas.microsoft.com/office/mac/drawingml/2011/main" xmlns="" val="1"/>
+              <ma14:wrappingTextBoxFlag xmlns="" xmlns:ma14="http://schemas.microsoft.com/office/mac/drawingml/2011/main" val="1"/>
             </a:ext>
           </a:extLst>
         </p:spPr>
@@ -25692,7 +25694,7 @@
           <a:effectLst/>
           <a:extLst>
             <a:ext uri="{C572A759-6A51-4108-AA02-DFA0A04FC94B}">
-              <ma14:wrappingTextBoxFlag xmlns:ma14="http://schemas.microsoft.com/office/mac/drawingml/2011/main" xmlns="" val="1"/>
+              <ma14:wrappingTextBoxFlag xmlns="" xmlns:ma14="http://schemas.microsoft.com/office/mac/drawingml/2011/main" val="1"/>
             </a:ext>
           </a:extLst>
         </p:spPr>
@@ -25751,7 +25753,7 @@
           <a:effectLst/>
           <a:extLst>
             <a:ext uri="{C572A759-6A51-4108-AA02-DFA0A04FC94B}">
-              <ma14:wrappingTextBoxFlag xmlns:ma14="http://schemas.microsoft.com/office/mac/drawingml/2011/main" xmlns="" val="1"/>
+              <ma14:wrappingTextBoxFlag xmlns="" xmlns:ma14="http://schemas.microsoft.com/office/mac/drawingml/2011/main" val="1"/>
             </a:ext>
           </a:extLst>
         </p:spPr>
@@ -25810,7 +25812,7 @@
           <a:effectLst/>
           <a:extLst>
             <a:ext uri="{C572A759-6A51-4108-AA02-DFA0A04FC94B}">
-              <ma14:wrappingTextBoxFlag xmlns:ma14="http://schemas.microsoft.com/office/mac/drawingml/2011/main" xmlns="" val="1"/>
+              <ma14:wrappingTextBoxFlag xmlns="" xmlns:ma14="http://schemas.microsoft.com/office/mac/drawingml/2011/main" val="1"/>
             </a:ext>
           </a:extLst>
         </p:spPr>
@@ -25918,7 +25920,7 @@
           <a:effectLst/>
           <a:extLst>
             <a:ext uri="{C572A759-6A51-4108-AA02-DFA0A04FC94B}">
-              <ma14:wrappingTextBoxFlag xmlns:ma14="http://schemas.microsoft.com/office/mac/drawingml/2011/main" xmlns="" val="1"/>
+              <ma14:wrappingTextBoxFlag xmlns="" xmlns:ma14="http://schemas.microsoft.com/office/mac/drawingml/2011/main" val="1"/>
             </a:ext>
           </a:extLst>
         </p:spPr>
@@ -25977,7 +25979,7 @@
           <a:effectLst/>
           <a:extLst>
             <a:ext uri="{C572A759-6A51-4108-AA02-DFA0A04FC94B}">
-              <ma14:wrappingTextBoxFlag xmlns:ma14="http://schemas.microsoft.com/office/mac/drawingml/2011/main" xmlns="" val="1"/>
+              <ma14:wrappingTextBoxFlag xmlns="" xmlns:ma14="http://schemas.microsoft.com/office/mac/drawingml/2011/main" val="1"/>
             </a:ext>
           </a:extLst>
         </p:spPr>
@@ -26085,7 +26087,7 @@
           <a:effectLst/>
           <a:extLst>
             <a:ext uri="{C572A759-6A51-4108-AA02-DFA0A04FC94B}">
-              <ma14:wrappingTextBoxFlag xmlns:ma14="http://schemas.microsoft.com/office/mac/drawingml/2011/main" xmlns="" val="1"/>
+              <ma14:wrappingTextBoxFlag xmlns="" xmlns:ma14="http://schemas.microsoft.com/office/mac/drawingml/2011/main" val="1"/>
             </a:ext>
           </a:extLst>
         </p:spPr>
@@ -26144,7 +26146,7 @@
           <a:effectLst/>
           <a:extLst>
             <a:ext uri="{C572A759-6A51-4108-AA02-DFA0A04FC94B}">
-              <ma14:wrappingTextBoxFlag xmlns:ma14="http://schemas.microsoft.com/office/mac/drawingml/2011/main" xmlns="" val="1"/>
+              <ma14:wrappingTextBoxFlag xmlns="" xmlns:ma14="http://schemas.microsoft.com/office/mac/drawingml/2011/main" val="1"/>
             </a:ext>
           </a:extLst>
         </p:spPr>
@@ -26252,7 +26254,7 @@
           <a:effectLst/>
           <a:extLst>
             <a:ext uri="{C572A759-6A51-4108-AA02-DFA0A04FC94B}">
-              <ma14:wrappingTextBoxFlag xmlns:ma14="http://schemas.microsoft.com/office/mac/drawingml/2011/main" xmlns="" val="1"/>
+              <ma14:wrappingTextBoxFlag xmlns="" xmlns:ma14="http://schemas.microsoft.com/office/mac/drawingml/2011/main" val="1"/>
             </a:ext>
           </a:extLst>
         </p:spPr>
@@ -26311,7 +26313,7 @@
           <a:effectLst/>
           <a:extLst>
             <a:ext uri="{C572A759-6A51-4108-AA02-DFA0A04FC94B}">
-              <ma14:wrappingTextBoxFlag xmlns:ma14="http://schemas.microsoft.com/office/mac/drawingml/2011/main" xmlns="" val="1"/>
+              <ma14:wrappingTextBoxFlag xmlns="" xmlns:ma14="http://schemas.microsoft.com/office/mac/drawingml/2011/main" val="1"/>
             </a:ext>
           </a:extLst>
         </p:spPr>
@@ -26419,7 +26421,7 @@
           <a:effectLst/>
           <a:extLst>
             <a:ext uri="{C572A759-6A51-4108-AA02-DFA0A04FC94B}">
-              <ma14:wrappingTextBoxFlag xmlns:ma14="http://schemas.microsoft.com/office/mac/drawingml/2011/main" xmlns="" val="1"/>
+              <ma14:wrappingTextBoxFlag xmlns="" xmlns:ma14="http://schemas.microsoft.com/office/mac/drawingml/2011/main" val="1"/>
             </a:ext>
           </a:extLst>
         </p:spPr>
@@ -26478,7 +26480,7 @@
           <a:effectLst/>
           <a:extLst>
             <a:ext uri="{C572A759-6A51-4108-AA02-DFA0A04FC94B}">
-              <ma14:wrappingTextBoxFlag xmlns:ma14="http://schemas.microsoft.com/office/mac/drawingml/2011/main" xmlns="" val="1"/>
+              <ma14:wrappingTextBoxFlag xmlns="" xmlns:ma14="http://schemas.microsoft.com/office/mac/drawingml/2011/main" val="1"/>
             </a:ext>
           </a:extLst>
         </p:spPr>
@@ -26586,7 +26588,7 @@
           <a:effectLst/>
           <a:extLst>
             <a:ext uri="{C572A759-6A51-4108-AA02-DFA0A04FC94B}">
-              <ma14:wrappingTextBoxFlag xmlns:ma14="http://schemas.microsoft.com/office/mac/drawingml/2011/main" xmlns="" val="1"/>
+              <ma14:wrappingTextBoxFlag xmlns="" xmlns:ma14="http://schemas.microsoft.com/office/mac/drawingml/2011/main" val="1"/>
             </a:ext>
           </a:extLst>
         </p:spPr>
@@ -26926,7 +26928,7 @@
           <a:effectLst/>
           <a:extLst>
             <a:ext uri="{C572A759-6A51-4108-AA02-DFA0A04FC94B}">
-              <ma14:wrappingTextBoxFlag xmlns:ma14="http://schemas.microsoft.com/office/mac/drawingml/2011/main" xmlns="" val="1"/>
+              <ma14:wrappingTextBoxFlag xmlns="" xmlns:ma14="http://schemas.microsoft.com/office/mac/drawingml/2011/main" val="1"/>
             </a:ext>
           </a:extLst>
         </p:spPr>
@@ -26991,7 +26993,7 @@
           <a:effectLst/>
           <a:extLst>
             <a:ext uri="{C572A759-6A51-4108-AA02-DFA0A04FC94B}">
-              <ma14:wrappingTextBoxFlag xmlns:ma14="http://schemas.microsoft.com/office/mac/drawingml/2011/main" xmlns="" val="1"/>
+              <ma14:wrappingTextBoxFlag xmlns="" xmlns:ma14="http://schemas.microsoft.com/office/mac/drawingml/2011/main" val="1"/>
             </a:ext>
           </a:extLst>
         </p:spPr>
@@ -28709,6 +28711,99 @@
           </a:extLst>
         </p:spPr>
       </p:pic>
+      <p:sp>
+        <p:nvSpPr>
+          <p:cNvPr id="20" name="Rectángulo: esquinas redondeadas 19">
+            <a:hlinkClick r:id="rId9" action="ppaction://hlinkfile"/>
+            <a:extLst>
+              <a:ext uri="{FF2B5EF4-FFF2-40B4-BE49-F238E27FC236}">
+                <a16:creationId xmlns:a16="http://schemas.microsoft.com/office/drawing/2014/main" id="{34E0D609-BAAD-4B7D-A488-91FC8F3E90A6}"/>
+              </a:ext>
+            </a:extLst>
+          </p:cNvPr>
+          <p:cNvSpPr/>
+          <p:nvPr/>
+        </p:nvSpPr>
+        <p:spPr>
+          <a:xfrm>
+            <a:off x="19721828" y="2484178"/>
+            <a:ext cx="4114800" cy="794544"/>
+          </a:xfrm>
+          <a:prstGeom prst="roundRect">
+            <a:avLst/>
+          </a:prstGeom>
+          <a:blipFill rotWithShape="1">
+            <a:blip r:embed="rId3"/>
+            <a:srcRect/>
+            <a:tile tx="0" ty="0" sx="100000" sy="100000" flip="none" algn="tl"/>
+          </a:blipFill>
+          <a:ln w="12700" cap="flat">
+            <a:noFill/>
+            <a:miter lim="400000"/>
+          </a:ln>
+          <a:effectLst>
+            <a:outerShdw blurRad="38100" dist="25400" dir="5400000" rotWithShape="0">
+              <a:srgbClr val="000000">
+                <a:alpha val="50000"/>
+              </a:srgbClr>
+            </a:outerShdw>
+          </a:effectLst>
+          <a:sp3d/>
+        </p:spPr>
+        <p:style>
+          <a:lnRef idx="0">
+            <a:scrgbClr r="0" g="0" b="0"/>
+          </a:lnRef>
+          <a:fillRef idx="0">
+            <a:scrgbClr r="0" g="0" b="0"/>
+          </a:fillRef>
+          <a:effectRef idx="0">
+            <a:scrgbClr r="0" g="0" b="0"/>
+          </a:effectRef>
+          <a:fontRef idx="none"/>
+        </p:style>
+        <p:txBody>
+          <a:bodyPr rot="0" spcFirstLastPara="1" vertOverflow="overflow" horzOverflow="overflow" vert="horz" wrap="square" lIns="50800" tIns="50800" rIns="50800" bIns="50800" numCol="1" spcCol="38100" rtlCol="0" anchor="ctr">
+            <a:spAutoFit/>
+          </a:bodyPr>
+          <a:lstStyle/>
+          <a:p>
+            <a:pPr marL="0" marR="0" indent="0" algn="ctr" defTabSz="825500" rtl="0" fontAlgn="auto" latinLnBrk="0" hangingPunct="0">
+              <a:lnSpc>
+                <a:spcPct val="100000"/>
+              </a:lnSpc>
+              <a:spcBef>
+                <a:spcPts val="0"/>
+              </a:spcBef>
+              <a:spcAft>
+                <a:spcPts val="0"/>
+              </a:spcAft>
+              <a:buClrTx/>
+              <a:buSzTx/>
+              <a:buFontTx/>
+              <a:buNone/>
+              <a:tabLst/>
+            </a:pPr>
+            <a:r>
+              <a:rPr kumimoji="0" lang="es-CO" sz="4000" b="1" i="0" u="none" strike="noStrike" cap="none" spc="0" normalizeH="0" baseline="0" dirty="0">
+                <a:ln>
+                  <a:noFill/>
+                </a:ln>
+                <a:solidFill>
+                  <a:srgbClr val="FFFFFF"/>
+                </a:solidFill>
+                <a:effectLst/>
+                <a:uFillTx/>
+                <a:latin typeface="Century Gothic" panose="020B0502020202020204" pitchFamily="34" charset="0"/>
+                <a:ea typeface="Helvetica Light"/>
+                <a:cs typeface="Helvetica Light"/>
+                <a:sym typeface="Helvetica Light"/>
+              </a:rPr>
+              <a:t>Ver anexo</a:t>
+            </a:r>
+          </a:p>
+        </p:txBody>
+      </p:sp>
     </p:spTree>
     <p:extLst>
       <p:ext uri="{BB962C8B-B14F-4D97-AF65-F5344CB8AC3E}">
@@ -29013,7 +29108,7 @@
         </p:nvSpPr>
         <p:spPr>
           <a:xfrm>
-            <a:off x="6987562" y="4026349"/>
+            <a:off x="6968512" y="3692951"/>
             <a:ext cx="15141528" cy="2291383"/>
           </a:xfrm>
           <a:prstGeom prst="rect">
@@ -29123,7 +29218,7 @@
               <a:rPr lang="es-CO" sz="7200" b="1" dirty="0">
                 <a:latin typeface="Century Gothic" panose="020B0502020202020204" pitchFamily="34" charset="0"/>
               </a:rPr>
-              <a:t>Desarrollar una plataforma web que mida material particulado PM10 y PM2.5 para el monitoreo de la calidad del aire en la Universidad Mariana con el fin de que la comunidad universitaria tenga consciencia sobre la calidad del aire que respira.</a:t>
+              <a:t>Desarrollar una plataforma web que muestre la información del material particulado PM10 y PM2.5 para el monitoreo de la calidad del aire en la Universidad Mariana con el fin de que la comunidad universitaria tenga consciencia sobre la calidad del aire que respira.</a:t>
             </a:r>
             <a:endParaRPr lang="es-CO" sz="7200" b="1" i="0" u="none" strike="noStrike" cap="none" dirty="0">
               <a:solidFill>
@@ -30873,8 +30968,8 @@
         </p:nvSpPr>
         <p:spPr>
           <a:xfrm>
-            <a:off x="6868993" y="9999343"/>
-            <a:ext cx="7361640" cy="1710268"/>
+            <a:off x="6750460" y="10370732"/>
+            <a:ext cx="7603180" cy="1710268"/>
           </a:xfrm>
           <a:prstGeom prst="rect">
             <a:avLst/>
@@ -30917,7 +31012,7 @@
                 <a:cs typeface="Arial"/>
                 <a:sym typeface="Arial"/>
               </a:rPr>
-              <a:t>Ambiente universidad mariana</a:t>
+              <a:t>Ambiente Universidad mariana</a:t>
             </a:r>
           </a:p>
           <a:p>

--- a/primera entrega/correcciones/presentacion.pptx
+++ b/primera entrega/correcciones/presentacion.pptx
@@ -17287,7 +17287,7 @@
           </a:ln>
           <a:extLst>
             <a:ext uri="{C572A759-6A51-4108-AA02-DFA0A04FC94B}">
-              <ma14:wrappingTextBoxFlag xmlns="" xmlns:ma14="http://schemas.microsoft.com/office/mac/drawingml/2011/main" val="1"/>
+              <ma14:wrappingTextBoxFlag xmlns:ma14="http://schemas.microsoft.com/office/mac/drawingml/2011/main" xmlns="" val="1"/>
             </a:ext>
           </a:extLst>
         </p:spPr>
@@ -17403,7 +17403,7 @@
           </a:ln>
           <a:extLst>
             <a:ext uri="{C572A759-6A51-4108-AA02-DFA0A04FC94B}">
-              <ma14:wrappingTextBoxFlag xmlns="" xmlns:ma14="http://schemas.microsoft.com/office/mac/drawingml/2011/main" val="1"/>
+              <ma14:wrappingTextBoxFlag xmlns:ma14="http://schemas.microsoft.com/office/mac/drawingml/2011/main" xmlns="" val="1"/>
             </a:ext>
           </a:extLst>
         </p:spPr>
@@ -20305,7 +20305,7 @@
           </a:ln>
           <a:extLst>
             <a:ext uri="{C572A759-6A51-4108-AA02-DFA0A04FC94B}">
-              <ma14:wrappingTextBoxFlag xmlns="" xmlns:ma14="http://schemas.microsoft.com/office/mac/drawingml/2011/main" val="1"/>
+              <ma14:wrappingTextBoxFlag xmlns:ma14="http://schemas.microsoft.com/office/mac/drawingml/2011/main" xmlns="" val="1"/>
             </a:ext>
           </a:extLst>
         </p:spPr>
@@ -20376,7 +20376,7 @@
           </a:ln>
           <a:extLst>
             <a:ext uri="{C572A759-6A51-4108-AA02-DFA0A04FC94B}">
-              <ma14:wrappingTextBoxFlag xmlns="" xmlns:ma14="http://schemas.microsoft.com/office/mac/drawingml/2011/main" val="1"/>
+              <ma14:wrappingTextBoxFlag xmlns:ma14="http://schemas.microsoft.com/office/mac/drawingml/2011/main" xmlns="" val="1"/>
             </a:ext>
           </a:extLst>
         </p:spPr>
@@ -20564,7 +20564,7 @@
           </a:ln>
           <a:extLst>
             <a:ext uri="{C572A759-6A51-4108-AA02-DFA0A04FC94B}">
-              <ma14:wrappingTextBoxFlag xmlns="" xmlns:ma14="http://schemas.microsoft.com/office/mac/drawingml/2011/main" val="1"/>
+              <ma14:wrappingTextBoxFlag xmlns:ma14="http://schemas.microsoft.com/office/mac/drawingml/2011/main" xmlns="" val="1"/>
             </a:ext>
           </a:extLst>
         </p:spPr>
@@ -25165,7 +25165,7 @@
           </a:prstGeom>
           <a:extLst>
             <a:ext uri="{C572A759-6A51-4108-AA02-DFA0A04FC94B}">
-              <ma14:wrappingTextBoxFlag xmlns="" xmlns:ma14="http://schemas.microsoft.com/office/mac/drawingml/2011/main" val="1"/>
+              <ma14:wrappingTextBoxFlag xmlns:ma14="http://schemas.microsoft.com/office/mac/drawingml/2011/main" xmlns="" val="1"/>
             </a:ext>
           </a:extLst>
         </p:spPr>
@@ -25255,7 +25255,7 @@
           <a:effectLst/>
           <a:extLst>
             <a:ext uri="{C572A759-6A51-4108-AA02-DFA0A04FC94B}">
-              <ma14:wrappingTextBoxFlag xmlns="" xmlns:ma14="http://schemas.microsoft.com/office/mac/drawingml/2011/main" val="1"/>
+              <ma14:wrappingTextBoxFlag xmlns:ma14="http://schemas.microsoft.com/office/mac/drawingml/2011/main" xmlns="" val="1"/>
             </a:ext>
           </a:extLst>
         </p:spPr>
@@ -25363,7 +25363,7 @@
           <a:effectLst/>
           <a:extLst>
             <a:ext uri="{C572A759-6A51-4108-AA02-DFA0A04FC94B}">
-              <ma14:wrappingTextBoxFlag xmlns="" xmlns:ma14="http://schemas.microsoft.com/office/mac/drawingml/2011/main" val="1"/>
+              <ma14:wrappingTextBoxFlag xmlns:ma14="http://schemas.microsoft.com/office/mac/drawingml/2011/main" xmlns="" val="1"/>
             </a:ext>
           </a:extLst>
         </p:spPr>
@@ -25419,7 +25419,7 @@
           <a:effectLst/>
           <a:extLst>
             <a:ext uri="{C572A759-6A51-4108-AA02-DFA0A04FC94B}">
-              <ma14:wrappingTextBoxFlag xmlns="" xmlns:ma14="http://schemas.microsoft.com/office/mac/drawingml/2011/main" val="1"/>
+              <ma14:wrappingTextBoxFlag xmlns:ma14="http://schemas.microsoft.com/office/mac/drawingml/2011/main" xmlns="" val="1"/>
             </a:ext>
           </a:extLst>
         </p:spPr>
@@ -25527,7 +25527,7 @@
           <a:effectLst/>
           <a:extLst>
             <a:ext uri="{C572A759-6A51-4108-AA02-DFA0A04FC94B}">
-              <ma14:wrappingTextBoxFlag xmlns="" xmlns:ma14="http://schemas.microsoft.com/office/mac/drawingml/2011/main" val="1"/>
+              <ma14:wrappingTextBoxFlag xmlns:ma14="http://schemas.microsoft.com/office/mac/drawingml/2011/main" xmlns="" val="1"/>
             </a:ext>
           </a:extLst>
         </p:spPr>
@@ -25586,7 +25586,7 @@
           <a:effectLst/>
           <a:extLst>
             <a:ext uri="{C572A759-6A51-4108-AA02-DFA0A04FC94B}">
-              <ma14:wrappingTextBoxFlag xmlns="" xmlns:ma14="http://schemas.microsoft.com/office/mac/drawingml/2011/main" val="1"/>
+              <ma14:wrappingTextBoxFlag xmlns:ma14="http://schemas.microsoft.com/office/mac/drawingml/2011/main" xmlns="" val="1"/>
             </a:ext>
           </a:extLst>
         </p:spPr>
@@ -25694,7 +25694,7 @@
           <a:effectLst/>
           <a:extLst>
             <a:ext uri="{C572A759-6A51-4108-AA02-DFA0A04FC94B}">
-              <ma14:wrappingTextBoxFlag xmlns="" xmlns:ma14="http://schemas.microsoft.com/office/mac/drawingml/2011/main" val="1"/>
+              <ma14:wrappingTextBoxFlag xmlns:ma14="http://schemas.microsoft.com/office/mac/drawingml/2011/main" xmlns="" val="1"/>
             </a:ext>
           </a:extLst>
         </p:spPr>
@@ -25753,7 +25753,7 @@
           <a:effectLst/>
           <a:extLst>
             <a:ext uri="{C572A759-6A51-4108-AA02-DFA0A04FC94B}">
-              <ma14:wrappingTextBoxFlag xmlns="" xmlns:ma14="http://schemas.microsoft.com/office/mac/drawingml/2011/main" val="1"/>
+              <ma14:wrappingTextBoxFlag xmlns:ma14="http://schemas.microsoft.com/office/mac/drawingml/2011/main" xmlns="" val="1"/>
             </a:ext>
           </a:extLst>
         </p:spPr>
@@ -25812,7 +25812,7 @@
           <a:effectLst/>
           <a:extLst>
             <a:ext uri="{C572A759-6A51-4108-AA02-DFA0A04FC94B}">
-              <ma14:wrappingTextBoxFlag xmlns="" xmlns:ma14="http://schemas.microsoft.com/office/mac/drawingml/2011/main" val="1"/>
+              <ma14:wrappingTextBoxFlag xmlns:ma14="http://schemas.microsoft.com/office/mac/drawingml/2011/main" xmlns="" val="1"/>
             </a:ext>
           </a:extLst>
         </p:spPr>
@@ -25920,7 +25920,7 @@
           <a:effectLst/>
           <a:extLst>
             <a:ext uri="{C572A759-6A51-4108-AA02-DFA0A04FC94B}">
-              <ma14:wrappingTextBoxFlag xmlns="" xmlns:ma14="http://schemas.microsoft.com/office/mac/drawingml/2011/main" val="1"/>
+              <ma14:wrappingTextBoxFlag xmlns:ma14="http://schemas.microsoft.com/office/mac/drawingml/2011/main" xmlns="" val="1"/>
             </a:ext>
           </a:extLst>
         </p:spPr>
@@ -25979,7 +25979,7 @@
           <a:effectLst/>
           <a:extLst>
             <a:ext uri="{C572A759-6A51-4108-AA02-DFA0A04FC94B}">
-              <ma14:wrappingTextBoxFlag xmlns="" xmlns:ma14="http://schemas.microsoft.com/office/mac/drawingml/2011/main" val="1"/>
+              <ma14:wrappingTextBoxFlag xmlns:ma14="http://schemas.microsoft.com/office/mac/drawingml/2011/main" xmlns="" val="1"/>
             </a:ext>
           </a:extLst>
         </p:spPr>
@@ -26087,7 +26087,7 @@
           <a:effectLst/>
           <a:extLst>
             <a:ext uri="{C572A759-6A51-4108-AA02-DFA0A04FC94B}">
-              <ma14:wrappingTextBoxFlag xmlns="" xmlns:ma14="http://schemas.microsoft.com/office/mac/drawingml/2011/main" val="1"/>
+              <ma14:wrappingTextBoxFlag xmlns:ma14="http://schemas.microsoft.com/office/mac/drawingml/2011/main" xmlns="" val="1"/>
             </a:ext>
           </a:extLst>
         </p:spPr>
@@ -26146,7 +26146,7 @@
           <a:effectLst/>
           <a:extLst>
             <a:ext uri="{C572A759-6A51-4108-AA02-DFA0A04FC94B}">
-              <ma14:wrappingTextBoxFlag xmlns="" xmlns:ma14="http://schemas.microsoft.com/office/mac/drawingml/2011/main" val="1"/>
+              <ma14:wrappingTextBoxFlag xmlns:ma14="http://schemas.microsoft.com/office/mac/drawingml/2011/main" xmlns="" val="1"/>
             </a:ext>
           </a:extLst>
         </p:spPr>
@@ -26254,7 +26254,7 @@
           <a:effectLst/>
           <a:extLst>
             <a:ext uri="{C572A759-6A51-4108-AA02-DFA0A04FC94B}">
-              <ma14:wrappingTextBoxFlag xmlns="" xmlns:ma14="http://schemas.microsoft.com/office/mac/drawingml/2011/main" val="1"/>
+              <ma14:wrappingTextBoxFlag xmlns:ma14="http://schemas.microsoft.com/office/mac/drawingml/2011/main" xmlns="" val="1"/>
             </a:ext>
           </a:extLst>
         </p:spPr>
@@ -26313,7 +26313,7 @@
           <a:effectLst/>
           <a:extLst>
             <a:ext uri="{C572A759-6A51-4108-AA02-DFA0A04FC94B}">
-              <ma14:wrappingTextBoxFlag xmlns="" xmlns:ma14="http://schemas.microsoft.com/office/mac/drawingml/2011/main" val="1"/>
+              <ma14:wrappingTextBoxFlag xmlns:ma14="http://schemas.microsoft.com/office/mac/drawingml/2011/main" xmlns="" val="1"/>
             </a:ext>
           </a:extLst>
         </p:spPr>
@@ -26421,7 +26421,7 @@
           <a:effectLst/>
           <a:extLst>
             <a:ext uri="{C572A759-6A51-4108-AA02-DFA0A04FC94B}">
-              <ma14:wrappingTextBoxFlag xmlns="" xmlns:ma14="http://schemas.microsoft.com/office/mac/drawingml/2011/main" val="1"/>
+              <ma14:wrappingTextBoxFlag xmlns:ma14="http://schemas.microsoft.com/office/mac/drawingml/2011/main" xmlns="" val="1"/>
             </a:ext>
           </a:extLst>
         </p:spPr>
@@ -26480,7 +26480,7 @@
           <a:effectLst/>
           <a:extLst>
             <a:ext uri="{C572A759-6A51-4108-AA02-DFA0A04FC94B}">
-              <ma14:wrappingTextBoxFlag xmlns="" xmlns:ma14="http://schemas.microsoft.com/office/mac/drawingml/2011/main" val="1"/>
+              <ma14:wrappingTextBoxFlag xmlns:ma14="http://schemas.microsoft.com/office/mac/drawingml/2011/main" xmlns="" val="1"/>
             </a:ext>
           </a:extLst>
         </p:spPr>
@@ -26588,7 +26588,7 @@
           <a:effectLst/>
           <a:extLst>
             <a:ext uri="{C572A759-6A51-4108-AA02-DFA0A04FC94B}">
-              <ma14:wrappingTextBoxFlag xmlns="" xmlns:ma14="http://schemas.microsoft.com/office/mac/drawingml/2011/main" val="1"/>
+              <ma14:wrappingTextBoxFlag xmlns:ma14="http://schemas.microsoft.com/office/mac/drawingml/2011/main" xmlns="" val="1"/>
             </a:ext>
           </a:extLst>
         </p:spPr>
@@ -26928,7 +26928,7 @@
           <a:effectLst/>
           <a:extLst>
             <a:ext uri="{C572A759-6A51-4108-AA02-DFA0A04FC94B}">
-              <ma14:wrappingTextBoxFlag xmlns="" xmlns:ma14="http://schemas.microsoft.com/office/mac/drawingml/2011/main" val="1"/>
+              <ma14:wrappingTextBoxFlag xmlns:ma14="http://schemas.microsoft.com/office/mac/drawingml/2011/main" xmlns="" val="1"/>
             </a:ext>
           </a:extLst>
         </p:spPr>
@@ -26993,7 +26993,7 @@
           <a:effectLst/>
           <a:extLst>
             <a:ext uri="{C572A759-6A51-4108-AA02-DFA0A04FC94B}">
-              <ma14:wrappingTextBoxFlag xmlns="" xmlns:ma14="http://schemas.microsoft.com/office/mac/drawingml/2011/main" val="1"/>
+              <ma14:wrappingTextBoxFlag xmlns:ma14="http://schemas.microsoft.com/office/mac/drawingml/2011/main" xmlns="" val="1"/>
             </a:ext>
           </a:extLst>
         </p:spPr>
@@ -30968,8 +30968,8 @@
         </p:nvSpPr>
         <p:spPr>
           <a:xfrm>
-            <a:off x="6750460" y="10370732"/>
-            <a:ext cx="7603180" cy="1710268"/>
+            <a:off x="6750459" y="10370732"/>
+            <a:ext cx="8421807" cy="1710268"/>
           </a:xfrm>
           <a:prstGeom prst="rect">
             <a:avLst/>
@@ -31037,7 +31037,7 @@
                 <a:cs typeface="Arial"/>
                 <a:sym typeface="Arial"/>
               </a:rPr>
-              <a:t>Universidad beneficiada (calidad y reputación)</a:t>
+              <a:t>Universidad beneficiada (calidad, reputación y planeación)</a:t>
             </a:r>
           </a:p>
           <a:p>
